--- a/2nd Phase Review Presentation.pptx
+++ b/2nd Phase Review Presentation.pptx
@@ -32,13 +32,6 @@
       <p:bold r:id="rId18"/>
       <p:italic r:id="rId19"/>
       <p:boldItalic r:id="rId20"/>
-    </p:embeddedFont>
-    <p:embeddedFont>
-      <p:font typeface="Calibri" panose="020F0502020204030204" pitchFamily="34" charset="0"/>
-      <p:regular r:id="rId21"/>
-      <p:bold r:id="rId22"/>
-      <p:italic r:id="rId23"/>
-      <p:boldItalic r:id="rId24"/>
     </p:embeddedFont>
   </p:embeddedFontLst>
   <p:defaultTextStyle>
@@ -286,7 +279,7 @@
       </p15:sldGuideLst>
     </p:ext>
     <p:ext uri="GoogleSlidesCustomDataVersion2">
-      <go:slidesCustomData xmlns="" xmlns:mc="http://schemas.openxmlformats.org/markup-compatibility/2006" xmlns:mv="urn:schemas-microsoft-com:mac:vml" xmlns:c="http://schemas.openxmlformats.org/drawingml/2006/chart" xmlns:dgm="http://schemas.openxmlformats.org/drawingml/2006/diagram" xmlns:o="urn:schemas-microsoft-com:office:office" xmlns:v="urn:schemas-microsoft-com:vml" xmlns:pvml="urn:schemas-microsoft-com:office:powerpoint" xmlns:com="http://schemas.openxmlformats.org/drawingml/2006/compatibility" xmlns:p14="http://schemas.microsoft.com/office/powerpoint/2010/main" xmlns:p15="http://schemas.microsoft.com/office/powerpoint/2012/main" xmlns:ahyp="http://schemas.microsoft.com/office/drawing/2018/hyperlinkcolor" xmlns:go="http://customooxmlschemas.google.com/" r:id="rId32" roundtripDataSignature="AMtx7mgZZABVuYV0kWWDJ77bXyEyKU5AvA=="/>
+      <go:slidesCustomData xmlns:go="http://customooxmlschemas.google.com/" xmlns:ahyp="http://schemas.microsoft.com/office/drawing/2018/hyperlinkcolor" xmlns:p15="http://schemas.microsoft.com/office/powerpoint/2012/main" xmlns:p14="http://schemas.microsoft.com/office/powerpoint/2010/main" xmlns:com="http://schemas.openxmlformats.org/drawingml/2006/compatibility" xmlns:pvml="urn:schemas-microsoft-com:office:powerpoint" xmlns:v="urn:schemas-microsoft-com:vml" xmlns:o="urn:schemas-microsoft-com:office:office" xmlns:dgm="http://schemas.openxmlformats.org/drawingml/2006/diagram" xmlns:c="http://schemas.openxmlformats.org/drawingml/2006/chart" xmlns:mv="urn:schemas-microsoft-com:mac:vml" xmlns:mc="http://schemas.openxmlformats.org/markup-compatibility/2006" xmlns="" r:id="rId32" roundtripDataSignature="AMtx7mgZZABVuYV0kWWDJ77bXyEyKU5AvA=="/>
     </p:ext>
   </p:extLst>
 </p:presentation>
@@ -3120,7 +3113,7 @@
           </a:lstStyle>
           <a:p>
             <a:r>
-              <a:rPr lang="en-US" smtClean="0"/>
+              <a:rPr lang="en-US"/>
               <a:t>28-04-2025</a:t>
             </a:r>
             <a:endParaRPr/>
@@ -3284,7 +3277,7 @@
           </a:lstStyle>
           <a:p>
             <a:r>
-              <a:rPr lang="it-IT" smtClean="0"/>
+              <a:rPr lang="it-IT"/>
               <a:t>Dept. AD – Phase 2 VIVA VOCE</a:t>
             </a:r>
             <a:endParaRPr/>
@@ -4162,7 +4155,7 @@
           </a:lstStyle>
           <a:p>
             <a:r>
-              <a:rPr lang="en-US" smtClean="0"/>
+              <a:rPr lang="en-US"/>
               <a:t>28-04-2025</a:t>
             </a:r>
             <a:endParaRPr/>
@@ -4326,7 +4319,7 @@
           </a:lstStyle>
           <a:p>
             <a:r>
-              <a:rPr lang="it-IT" smtClean="0"/>
+              <a:rPr lang="it-IT"/>
               <a:t>Dept. AD – Phase 2 VIVA VOCE</a:t>
             </a:r>
             <a:endParaRPr/>
@@ -5177,7 +5170,7 @@
           </a:lstStyle>
           <a:p>
             <a:r>
-              <a:rPr lang="en-US" smtClean="0"/>
+              <a:rPr lang="en-US"/>
               <a:t>28-04-2025</a:t>
             </a:r>
             <a:endParaRPr/>
@@ -5341,7 +5334,7 @@
           </a:lstStyle>
           <a:p>
             <a:r>
-              <a:rPr lang="it-IT" smtClean="0"/>
+              <a:rPr lang="it-IT"/>
               <a:t>Dept. AD – Phase 2 VIVA VOCE</a:t>
             </a:r>
             <a:endParaRPr/>
@@ -6224,7 +6217,7 @@
           </a:lstStyle>
           <a:p>
             <a:r>
-              <a:rPr lang="en-US" smtClean="0"/>
+              <a:rPr lang="en-US"/>
               <a:t>28-04-2025</a:t>
             </a:r>
             <a:endParaRPr/>
@@ -6396,7 +6389,7 @@
           </a:lstStyle>
           <a:p>
             <a:r>
-              <a:rPr lang="it-IT" smtClean="0"/>
+              <a:rPr lang="it-IT"/>
               <a:t>Dept. AD – Phase 2 VIVA VOCE</a:t>
             </a:r>
             <a:endParaRPr/>
@@ -7262,7 +7255,7 @@
           </a:lstStyle>
           <a:p>
             <a:r>
-              <a:rPr lang="en-US" smtClean="0"/>
+              <a:rPr lang="en-US"/>
               <a:t>28-04-2025</a:t>
             </a:r>
             <a:endParaRPr/>
@@ -7426,7 +7419,7 @@
           </a:lstStyle>
           <a:p>
             <a:r>
-              <a:rPr lang="it-IT" smtClean="0"/>
+              <a:rPr lang="it-IT"/>
               <a:t>Dept. AD – Phase 2 VIVA VOCE</a:t>
             </a:r>
             <a:endParaRPr/>
@@ -8489,7 +8482,7 @@
           </a:lstStyle>
           <a:p>
             <a:r>
-              <a:rPr lang="en-US" smtClean="0"/>
+              <a:rPr lang="en-US"/>
               <a:t>28-04-2025</a:t>
             </a:r>
             <a:endParaRPr/>
@@ -8653,7 +8646,7 @@
           </a:lstStyle>
           <a:p>
             <a:r>
-              <a:rPr lang="it-IT" smtClean="0"/>
+              <a:rPr lang="it-IT"/>
               <a:t>Dept. AD – Phase 2 VIVA VOCE</a:t>
             </a:r>
             <a:endParaRPr/>
@@ -10075,7 +10068,7 @@
           </a:lstStyle>
           <a:p>
             <a:r>
-              <a:rPr lang="en-US" smtClean="0"/>
+              <a:rPr lang="en-US"/>
               <a:t>28-04-2025</a:t>
             </a:r>
             <a:endParaRPr/>
@@ -10239,7 +10232,7 @@
           </a:lstStyle>
           <a:p>
             <a:r>
-              <a:rPr lang="it-IT" smtClean="0"/>
+              <a:rPr lang="it-IT"/>
               <a:t>Dept. AD – Phase 2 VIVA VOCE</a:t>
             </a:r>
             <a:endParaRPr/>
@@ -10878,7 +10871,7 @@
           </a:lstStyle>
           <a:p>
             <a:r>
-              <a:rPr lang="en-US" smtClean="0"/>
+              <a:rPr lang="en-US"/>
               <a:t>28-04-2025</a:t>
             </a:r>
             <a:endParaRPr/>
@@ -11042,7 +11035,7 @@
           </a:lstStyle>
           <a:p>
             <a:r>
-              <a:rPr lang="it-IT" smtClean="0"/>
+              <a:rPr lang="it-IT"/>
               <a:t>Dept. AD – Phase 2 VIVA VOCE</a:t>
             </a:r>
             <a:endParaRPr/>
@@ -11512,7 +11505,7 @@
           </a:lstStyle>
           <a:p>
             <a:r>
-              <a:rPr lang="en-US" smtClean="0"/>
+              <a:rPr lang="en-US"/>
               <a:t>28-04-2025</a:t>
             </a:r>
             <a:endParaRPr/>
@@ -11676,7 +11669,7 @@
           </a:lstStyle>
           <a:p>
             <a:r>
-              <a:rPr lang="it-IT" smtClean="0"/>
+              <a:rPr lang="it-IT"/>
               <a:t>Dept. AD – Phase 2 VIVA VOCE</a:t>
             </a:r>
             <a:endParaRPr/>
@@ -12714,7 +12707,7 @@
           </a:lstStyle>
           <a:p>
             <a:r>
-              <a:rPr lang="en-US" smtClean="0"/>
+              <a:rPr lang="en-US"/>
               <a:t>28-04-2025</a:t>
             </a:r>
             <a:endParaRPr/>
@@ -12878,7 +12871,7 @@
           </a:lstStyle>
           <a:p>
             <a:r>
-              <a:rPr lang="it-IT" smtClean="0"/>
+              <a:rPr lang="it-IT"/>
               <a:t>Dept. AD – Phase 2 VIVA VOCE</a:t>
             </a:r>
             <a:endParaRPr/>
@@ -13733,7 +13726,7 @@
           </a:lstStyle>
           <a:p>
             <a:r>
-              <a:rPr lang="en-US" smtClean="0"/>
+              <a:rPr lang="en-US"/>
               <a:t>28-04-2025</a:t>
             </a:r>
             <a:endParaRPr/>
@@ -13897,7 +13890,7 @@
           </a:lstStyle>
           <a:p>
             <a:r>
-              <a:rPr lang="it-IT" smtClean="0"/>
+              <a:rPr lang="it-IT"/>
               <a:t>Dept. AD – Phase 2 VIVA VOCE</a:t>
             </a:r>
             <a:endParaRPr/>
@@ -15024,7 +15017,7 @@
           </a:lstStyle>
           <a:p>
             <a:r>
-              <a:rPr lang="en-US" smtClean="0"/>
+              <a:rPr lang="en-US"/>
               <a:t>28-04-2025</a:t>
             </a:r>
             <a:endParaRPr/>
@@ -15296,7 +15289,7 @@
           </a:lstStyle>
           <a:p>
             <a:r>
-              <a:rPr lang="it-IT" smtClean="0"/>
+              <a:rPr lang="it-IT"/>
               <a:t>Dept. AD – Phase 2 VIVA VOCE</a:t>
             </a:r>
             <a:endParaRPr/>
@@ -16585,18 +16578,6 @@
               <a:buNone/>
             </a:pPr>
             <a:r>
-              <a:rPr lang="en" sz="1500" b="1" i="0" u="none" strike="noStrike" cap="none" dirty="0" smtClean="0">
-                <a:solidFill>
-                  <a:schemeClr val="dk1"/>
-                </a:solidFill>
-                <a:latin typeface="Century Gothic"/>
-                <a:ea typeface="Century Gothic"/>
-                <a:cs typeface="Century Gothic"/>
-                <a:sym typeface="Century Gothic"/>
-              </a:rPr>
-              <a:t>Mr</a:t>
-            </a:r>
-            <a:r>
               <a:rPr lang="en" sz="1500" b="1" i="0" u="none" strike="noStrike" cap="none" dirty="0">
                 <a:solidFill>
                   <a:schemeClr val="dk1"/>
@@ -16606,10 +16587,10 @@
                 <a:cs typeface="Century Gothic"/>
                 <a:sym typeface="Century Gothic"/>
               </a:rPr>
-              <a:t>. </a:t>
+              <a:t>Mr. </a:t>
             </a:r>
             <a:r>
-              <a:rPr lang="en" sz="1500" b="1" i="0" u="none" strike="noStrike" cap="none" dirty="0" smtClean="0">
+              <a:rPr lang="en" sz="1500" b="1" i="0" u="none" strike="noStrike" cap="none">
                 <a:solidFill>
                   <a:schemeClr val="dk1"/>
                 </a:solidFill>
@@ -16618,7 +16599,7 @@
                 <a:cs typeface="Century Gothic"/>
                 <a:sym typeface="Century Gothic"/>
               </a:rPr>
-              <a:t>xyz, 717821I...</a:t>
+              <a:t>xyz,...</a:t>
             </a:r>
             <a:endParaRPr sz="1500" b="1" i="0" u="none" strike="noStrike" cap="none" dirty="0">
               <a:solidFill>
@@ -16770,10 +16751,9 @@
           <a:lstStyle/>
           <a:p>
             <a:r>
-              <a:rPr lang="en-US" smtClean="0"/>
+              <a:rPr lang="en-US"/>
               <a:t>28-04-2025</a:t>
             </a:r>
-            <a:endParaRPr lang="en-US"/>
           </a:p>
         </p:txBody>
       </p:sp>
@@ -16793,10 +16773,9 @@
           <a:lstStyle/>
           <a:p>
             <a:r>
-              <a:rPr lang="it-IT" smtClean="0"/>
+              <a:rPr lang="it-IT"/>
               <a:t>Dept. AD – Phase 2 VIVA VOCE</a:t>
             </a:r>
-            <a:endParaRPr lang="it-IT"/>
           </a:p>
         </p:txBody>
       </p:sp>
@@ -16959,7 +16938,7 @@
               <a:buNone/>
             </a:pPr>
             <a:r>
-              <a:rPr lang="it-IT" smtClean="0"/>
+              <a:rPr lang="it-IT"/>
               <a:t>Dept. AD – Phase 2 VIVA VOCE</a:t>
             </a:r>
             <a:endParaRPr/>
@@ -17006,7 +16985,7 @@
               <a:buNone/>
             </a:pPr>
             <a:r>
-              <a:rPr lang="en-US" smtClean="0"/>
+              <a:rPr lang="en-US"/>
               <a:t>28-04-2025</a:t>
             </a:r>
             <a:endParaRPr/>
@@ -17246,7 +17225,7 @@
               <a:buNone/>
             </a:pPr>
             <a:r>
-              <a:rPr lang="en" sz="1700" b="1" dirty="0" smtClean="0">
+              <a:rPr lang="en" sz="1700" b="1" dirty="0">
                 <a:solidFill>
                   <a:srgbClr val="000000"/>
                 </a:solidFill>
@@ -17335,10 +17314,9 @@
           <a:lstStyle/>
           <a:p>
             <a:r>
-              <a:rPr lang="en-US" smtClean="0"/>
+              <a:rPr lang="en-US"/>
               <a:t>28-04-2025</a:t>
             </a:r>
-            <a:endParaRPr lang="en-US"/>
           </a:p>
         </p:txBody>
       </p:sp>
@@ -17363,10 +17341,9 @@
           <a:lstStyle/>
           <a:p>
             <a:r>
-              <a:rPr lang="it-IT" dirty="0" smtClean="0"/>
+              <a:rPr lang="it-IT" dirty="0"/>
               <a:t>Dept. AD – Phase 2 VIVA VOCE</a:t>
             </a:r>
-            <a:endParaRPr lang="it-IT" dirty="0"/>
           </a:p>
         </p:txBody>
       </p:sp>
@@ -17460,22 +17437,13 @@
               <a:buSzPts val="1800"/>
             </a:pPr>
             <a:r>
-              <a:rPr lang="en-IN" sz="3000" dirty="0" smtClean="0">
-                <a:latin typeface="Century Gothic"/>
-                <a:ea typeface="Century Gothic"/>
-                <a:cs typeface="Century Gothic"/>
-                <a:sym typeface="Century Gothic"/>
-              </a:rPr>
-              <a:t>Publication </a:t>
-            </a:r>
-            <a:r>
               <a:rPr lang="en-IN" sz="3000" dirty="0">
                 <a:latin typeface="Century Gothic"/>
                 <a:ea typeface="Century Gothic"/>
                 <a:cs typeface="Century Gothic"/>
                 <a:sym typeface="Century Gothic"/>
               </a:rPr>
-              <a:t>details</a:t>
+              <a:t>Publication details</a:t>
             </a:r>
             <a:endParaRPr sz="3000" dirty="0"/>
           </a:p>
@@ -17578,7 +17546,7 @@
               <a:buChar char="●"/>
             </a:pPr>
             <a:r>
-              <a:rPr lang="en" sz="1700" b="0" i="0" u="none" strike="noStrike" cap="none" dirty="0" smtClean="0">
+              <a:rPr lang="en" sz="1700" b="0" i="0" u="none" strike="noStrike" cap="none" dirty="0">
                 <a:solidFill>
                   <a:schemeClr val="dk1"/>
                 </a:solidFill>
@@ -17644,7 +17612,7 @@
               <a:buNone/>
             </a:pPr>
             <a:r>
-              <a:rPr lang="it-IT" smtClean="0"/>
+              <a:rPr lang="it-IT"/>
               <a:t>Dept. AD – Phase 2 VIVA VOCE</a:t>
             </a:r>
             <a:endParaRPr/>
@@ -17691,7 +17659,7 @@
               <a:buNone/>
             </a:pPr>
             <a:r>
-              <a:rPr lang="en-US" smtClean="0"/>
+              <a:rPr lang="en-US"/>
               <a:t>28-04-2025</a:t>
             </a:r>
             <a:endParaRPr/>
@@ -18197,7 +18165,7 @@
               <a:buNone/>
             </a:pPr>
             <a:r>
-              <a:rPr lang="it-IT" smtClean="0"/>
+              <a:rPr lang="it-IT"/>
               <a:t>Dept. AD – Phase 2 VIVA VOCE</a:t>
             </a:r>
             <a:endParaRPr/>
@@ -18244,7 +18212,7 @@
               <a:buNone/>
             </a:pPr>
             <a:r>
-              <a:rPr lang="en-US" smtClean="0"/>
+              <a:rPr lang="en-US"/>
               <a:t>28-04-2025</a:t>
             </a:r>
             <a:endParaRPr/>
@@ -18442,7 +18410,7 @@
               <a:buNone/>
             </a:pPr>
             <a:r>
-              <a:rPr lang="it-IT" smtClean="0"/>
+              <a:rPr lang="it-IT"/>
               <a:t>Dept. AD – Phase 2 VIVA VOCE</a:t>
             </a:r>
             <a:endParaRPr/>
@@ -18489,7 +18457,7 @@
               <a:buNone/>
             </a:pPr>
             <a:r>
-              <a:rPr lang="en-US" smtClean="0"/>
+              <a:rPr lang="en-US"/>
               <a:t>28-04-2025</a:t>
             </a:r>
             <a:endParaRPr/>
@@ -18660,7 +18628,7 @@
               <a:buChar char="•"/>
             </a:pPr>
             <a:r>
-              <a:rPr lang="en-US" sz="2000" dirty="0" smtClean="0">
+              <a:rPr lang="en-US" sz="2000" dirty="0">
                 <a:latin typeface="Century Gothic"/>
                 <a:ea typeface="Century Gothic"/>
                 <a:cs typeface="Century Gothic"/>
@@ -18741,7 +18709,7 @@
               <a:buNone/>
             </a:pPr>
             <a:r>
-              <a:rPr lang="en-US" dirty="0" smtClean="0"/>
+              <a:rPr lang="en-US" dirty="0"/>
               <a:t>28-04-2025</a:t>
             </a:r>
             <a:endParaRPr dirty="0"/>
@@ -18791,7 +18759,7 @@
               <a:buNone/>
             </a:pPr>
             <a:r>
-              <a:rPr lang="it-IT" smtClean="0"/>
+              <a:rPr lang="it-IT"/>
               <a:t>Dept. AD – Phase 2 VIVA VOCE</a:t>
             </a:r>
             <a:endParaRPr dirty="0"/>
@@ -18990,16 +18958,7 @@
                 <a:cs typeface="Century Gothic"/>
                 <a:sym typeface="Century Gothic"/>
               </a:rPr>
-              <a:t> </a:t>
-            </a:r>
-            <a:r>
-              <a:rPr lang="en" sz="2000" dirty="0" smtClean="0">
-                <a:latin typeface="Century Gothic"/>
-                <a:ea typeface="Century Gothic"/>
-                <a:cs typeface="Century Gothic"/>
-                <a:sym typeface="Century Gothic"/>
-              </a:rPr>
-              <a:t>To…..</a:t>
+              <a:t> To…..</a:t>
             </a:r>
           </a:p>
           <a:p>
@@ -19024,16 +18983,7 @@
                 <a:cs typeface="Century Gothic"/>
                 <a:sym typeface="Century Gothic"/>
               </a:rPr>
-              <a:t> </a:t>
-            </a:r>
-            <a:r>
-              <a:rPr lang="en" sz="2000" dirty="0" smtClean="0">
-                <a:latin typeface="Century Gothic"/>
-                <a:ea typeface="Century Gothic"/>
-                <a:cs typeface="Century Gothic"/>
-                <a:sym typeface="Century Gothic"/>
-              </a:rPr>
-              <a:t>main three objectives </a:t>
+              <a:t> main three objectives </a:t>
             </a:r>
             <a:endParaRPr sz="2000" dirty="0">
               <a:latin typeface="Century Gothic"/>
@@ -19087,7 +19037,7 @@
               <a:buNone/>
             </a:pPr>
             <a:r>
-              <a:rPr lang="it-IT" smtClean="0"/>
+              <a:rPr lang="it-IT"/>
               <a:t>Dept. AD – Phase 2 VIVA VOCE</a:t>
             </a:r>
             <a:endParaRPr/>
@@ -19134,7 +19084,7 @@
               <a:buNone/>
             </a:pPr>
             <a:r>
-              <a:rPr lang="en-US" smtClean="0"/>
+              <a:rPr lang="en-US"/>
               <a:t>28-04-2025</a:t>
             </a:r>
             <a:endParaRPr/>
@@ -19251,16 +19201,7 @@
                 <a:cs typeface="Century Gothic"/>
                 <a:sym typeface="Century Gothic"/>
               </a:rPr>
-              <a:t>Literature </a:t>
-            </a:r>
-            <a:r>
-              <a:rPr lang="en" sz="3000" dirty="0" smtClean="0">
-                <a:latin typeface="Century Gothic"/>
-                <a:ea typeface="Century Gothic"/>
-                <a:cs typeface="Century Gothic"/>
-                <a:sym typeface="Century Gothic"/>
-              </a:rPr>
-              <a:t>Review</a:t>
+              <a:t>Literature Review</a:t>
             </a:r>
             <a:endParaRPr sz="3000" dirty="0">
               <a:latin typeface="Century Gothic"/>
@@ -19676,7 +19617,7 @@
                         <a:buNone/>
                       </a:pPr>
                       <a:r>
-                        <a:rPr lang="en-US" sz="1000" u="none" strike="noStrike" cap="none" dirty="0" smtClean="0">
+                        <a:rPr lang="en-US" sz="1000" u="none" strike="noStrike" cap="none" dirty="0">
                           <a:latin typeface="Century Gothic"/>
                           <a:ea typeface="Century Gothic"/>
                           <a:cs typeface="Century Gothic"/>
@@ -19685,7 +19626,7 @@
                         <a:t>5 – </a:t>
                       </a:r>
                       <a:r>
-                        <a:rPr lang="en" sz="1000" dirty="0" smtClean="0">
+                        <a:rPr lang="en" sz="1000" dirty="0">
                           <a:latin typeface="Century Gothic"/>
                           <a:ea typeface="Century Gothic"/>
                           <a:cs typeface="Century Gothic"/>
@@ -20192,7 +20133,7 @@
               <a:buNone/>
             </a:pPr>
             <a:r>
-              <a:rPr lang="it-IT" smtClean="0"/>
+              <a:rPr lang="it-IT"/>
               <a:t>Dept. AD – Phase 2 VIVA VOCE</a:t>
             </a:r>
             <a:endParaRPr/>
@@ -20239,7 +20180,7 @@
               <a:buNone/>
             </a:pPr>
             <a:r>
-              <a:rPr lang="en-US" smtClean="0"/>
+              <a:rPr lang="en-US"/>
               <a:t>28-04-2025</a:t>
             </a:r>
             <a:endParaRPr/>
@@ -20345,22 +20286,13 @@
               <a:t> </a:t>
             </a:r>
             <a:r>
-              <a:rPr lang="en-IN" sz="3000" dirty="0" smtClean="0">
-                <a:latin typeface="Century Gothic"/>
-                <a:ea typeface="Century Gothic"/>
-                <a:cs typeface="Century Gothic"/>
-                <a:sym typeface="Century Gothic"/>
-              </a:rPr>
-              <a:t>Architecture </a:t>
-            </a:r>
-            <a:r>
               <a:rPr lang="en-IN" sz="3000" dirty="0">
                 <a:latin typeface="Century Gothic"/>
                 <a:ea typeface="Century Gothic"/>
                 <a:cs typeface="Century Gothic"/>
                 <a:sym typeface="Century Gothic"/>
               </a:rPr>
-              <a:t>diagram</a:t>
+              <a:t>Architecture diagram</a:t>
             </a:r>
             <a:endParaRPr sz="3000" dirty="0">
               <a:latin typeface="Century Gothic"/>
@@ -20468,7 +20400,7 @@
               <a:buNone/>
             </a:pPr>
             <a:r>
-              <a:rPr lang="it-IT" smtClean="0"/>
+              <a:rPr lang="it-IT"/>
               <a:t>Dept. AD – Phase 2 VIVA VOCE</a:t>
             </a:r>
             <a:endParaRPr dirty="0"/>
@@ -20515,7 +20447,7 @@
               <a:buNone/>
             </a:pPr>
             <a:r>
-              <a:rPr lang="en-US" smtClean="0"/>
+              <a:rPr lang="en-US"/>
               <a:t>28-04-2025</a:t>
             </a:r>
             <a:endParaRPr/>
@@ -20740,7 +20672,7 @@
               <a:buChar char="•"/>
             </a:pPr>
             <a:r>
-              <a:rPr lang="en-US" sz="1700" b="0" i="0" u="none" strike="noStrike" cap="none" dirty="0" smtClean="0">
+              <a:rPr lang="en-US" sz="1700" b="0" i="0" u="none" strike="noStrike" cap="none" dirty="0">
                 <a:solidFill>
                   <a:schemeClr val="dk1"/>
                 </a:solidFill>
@@ -20834,7 +20766,7 @@
               <a:buNone/>
             </a:pPr>
             <a:r>
-              <a:rPr lang="it-IT" smtClean="0"/>
+              <a:rPr lang="it-IT"/>
               <a:t>Dept. AD – Phase 2 VIVA VOCE</a:t>
             </a:r>
             <a:endParaRPr/>
@@ -20881,7 +20813,7 @@
               <a:buNone/>
             </a:pPr>
             <a:r>
-              <a:rPr lang="en-US" smtClean="0"/>
+              <a:rPr lang="en-US"/>
               <a:t>28-04-2025</a:t>
             </a:r>
             <a:endParaRPr/>
@@ -21052,7 +20984,7 @@
               <a:buChar char="●"/>
             </a:pPr>
             <a:r>
-              <a:rPr lang="en-US" sz="1700" b="0" i="0" u="none" strike="noStrike" cap="none" dirty="0" smtClean="0">
+              <a:rPr lang="en-US" sz="1700" b="0" i="0" u="none" strike="noStrike" cap="none" dirty="0">
                 <a:solidFill>
                   <a:srgbClr val="000000"/>
                 </a:solidFill>
@@ -21083,7 +21015,7 @@
               <a:buChar char="●"/>
             </a:pPr>
             <a:r>
-              <a:rPr lang="en-US" sz="1700" dirty="0" smtClean="0">
+              <a:rPr lang="en-US" sz="1700" dirty="0">
                 <a:latin typeface="Century Gothic"/>
                 <a:ea typeface="Century Gothic"/>
                 <a:cs typeface="Century Gothic"/>
@@ -21239,7 +21171,7 @@
               <a:buNone/>
             </a:pPr>
             <a:r>
-              <a:rPr lang="it-IT" smtClean="0"/>
+              <a:rPr lang="it-IT"/>
               <a:t>Dept. AD – Phase 2 VIVA VOCE</a:t>
             </a:r>
             <a:endParaRPr/>
@@ -21286,7 +21218,7 @@
               <a:buNone/>
             </a:pPr>
             <a:r>
-              <a:rPr lang="en-US" smtClean="0"/>
+              <a:rPr lang="en-US"/>
               <a:t>28-04-2025</a:t>
             </a:r>
             <a:endParaRPr/>
@@ -21511,7 +21443,7 @@
               <a:buChar char="•"/>
             </a:pPr>
             <a:r>
-              <a:rPr lang="en-US" sz="1700" b="0" i="0" u="none" strike="noStrike" cap="none" dirty="0" smtClean="0">
+              <a:rPr lang="en-US" sz="1700" b="0" i="0" u="none" strike="noStrike" cap="none" dirty="0">
                 <a:solidFill>
                   <a:schemeClr val="dk1"/>
                 </a:solidFill>
@@ -21605,7 +21537,7 @@
               <a:buNone/>
             </a:pPr>
             <a:r>
-              <a:rPr lang="it-IT" smtClean="0"/>
+              <a:rPr lang="it-IT"/>
               <a:t>Dept. AD – Phase 2 VIVA VOCE</a:t>
             </a:r>
             <a:endParaRPr/>
@@ -21652,7 +21584,7 @@
               <a:buNone/>
             </a:pPr>
             <a:r>
-              <a:rPr lang="en-US" smtClean="0"/>
+              <a:rPr lang="en-US"/>
               <a:t>28-04-2025</a:t>
             </a:r>
             <a:endParaRPr/>
@@ -21823,7 +21755,7 @@
               <a:buChar char="●"/>
             </a:pPr>
             <a:r>
-              <a:rPr lang="en-US" sz="1700" b="0" i="0" u="none" strike="noStrike" cap="none" dirty="0" smtClean="0">
+              <a:rPr lang="en-US" sz="1700" b="0" i="0" u="none" strike="noStrike" cap="none" dirty="0">
                 <a:solidFill>
                   <a:srgbClr val="000000"/>
                 </a:solidFill>
@@ -21854,7 +21786,7 @@
               <a:buChar char="●"/>
             </a:pPr>
             <a:r>
-              <a:rPr lang="en-US" sz="1700" dirty="0" smtClean="0">
+              <a:rPr lang="en-US" sz="1700" dirty="0">
                 <a:latin typeface="Century Gothic"/>
                 <a:ea typeface="Century Gothic"/>
                 <a:cs typeface="Century Gothic"/>
@@ -21983,7 +21915,7 @@
               <a:buNone/>
             </a:pPr>
             <a:r>
-              <a:rPr lang="it-IT" smtClean="0"/>
+              <a:rPr lang="it-IT"/>
               <a:t>Dept. AD – Phase 2 VIVA VOCE</a:t>
             </a:r>
             <a:endParaRPr/>
@@ -22030,7 +21962,7 @@
               <a:buNone/>
             </a:pPr>
             <a:r>
-              <a:rPr lang="en-US" smtClean="0"/>
+              <a:rPr lang="en-US"/>
               <a:t>28-04-2025</a:t>
             </a:r>
             <a:endParaRPr/>

--- a/2nd Phase Review Presentation.pptx
+++ b/2nd Phase Review Presentation.pptx
@@ -32,13 +32,6 @@
       <p:bold r:id="rId18"/>
       <p:italic r:id="rId19"/>
       <p:boldItalic r:id="rId20"/>
-    </p:embeddedFont>
-    <p:embeddedFont>
-      <p:font typeface="Calibri" panose="020F0502020204030204" pitchFamily="34" charset="0"/>
-      <p:regular r:id="rId21"/>
-      <p:bold r:id="rId22"/>
-      <p:italic r:id="rId23"/>
-      <p:boldItalic r:id="rId24"/>
     </p:embeddedFont>
   </p:embeddedFontLst>
   <p:defaultTextStyle>
@@ -286,7 +279,7 @@
       </p15:sldGuideLst>
     </p:ext>
     <p:ext uri="GoogleSlidesCustomDataVersion2">
-      <go:slidesCustomData xmlns="" xmlns:mc="http://schemas.openxmlformats.org/markup-compatibility/2006" xmlns:mv="urn:schemas-microsoft-com:mac:vml" xmlns:c="http://schemas.openxmlformats.org/drawingml/2006/chart" xmlns:dgm="http://schemas.openxmlformats.org/drawingml/2006/diagram" xmlns:o="urn:schemas-microsoft-com:office:office" xmlns:v="urn:schemas-microsoft-com:vml" xmlns:pvml="urn:schemas-microsoft-com:office:powerpoint" xmlns:com="http://schemas.openxmlformats.org/drawingml/2006/compatibility" xmlns:p14="http://schemas.microsoft.com/office/powerpoint/2010/main" xmlns:p15="http://schemas.microsoft.com/office/powerpoint/2012/main" xmlns:ahyp="http://schemas.microsoft.com/office/drawing/2018/hyperlinkcolor" xmlns:go="http://customooxmlschemas.google.com/" r:id="rId32" roundtripDataSignature="AMtx7mgZZABVuYV0kWWDJ77bXyEyKU5AvA=="/>
+      <go:slidesCustomData xmlns:go="http://customooxmlschemas.google.com/" xmlns:ahyp="http://schemas.microsoft.com/office/drawing/2018/hyperlinkcolor" xmlns:p15="http://schemas.microsoft.com/office/powerpoint/2012/main" xmlns:p14="http://schemas.microsoft.com/office/powerpoint/2010/main" xmlns:com="http://schemas.openxmlformats.org/drawingml/2006/compatibility" xmlns:pvml="urn:schemas-microsoft-com:office:powerpoint" xmlns:v="urn:schemas-microsoft-com:vml" xmlns:o="urn:schemas-microsoft-com:office:office" xmlns:dgm="http://schemas.openxmlformats.org/drawingml/2006/diagram" xmlns:c="http://schemas.openxmlformats.org/drawingml/2006/chart" xmlns:mv="urn:schemas-microsoft-com:mac:vml" xmlns:mc="http://schemas.openxmlformats.org/markup-compatibility/2006" xmlns="" r:id="rId32" roundtripDataSignature="AMtx7mgZZABVuYV0kWWDJ77bXyEyKU5AvA=="/>
     </p:ext>
   </p:extLst>
 </p:presentation>
@@ -3120,7 +3113,7 @@
           </a:lstStyle>
           <a:p>
             <a:r>
-              <a:rPr lang="en-US" smtClean="0"/>
+              <a:rPr lang="en-US"/>
               <a:t>28-04-2025</a:t>
             </a:r>
             <a:endParaRPr/>
@@ -3284,7 +3277,7 @@
           </a:lstStyle>
           <a:p>
             <a:r>
-              <a:rPr lang="it-IT" smtClean="0"/>
+              <a:rPr lang="it-IT"/>
               <a:t>Dept. AD – Phase 2 VIVA VOCE</a:t>
             </a:r>
             <a:endParaRPr/>
@@ -4162,7 +4155,7 @@
           </a:lstStyle>
           <a:p>
             <a:r>
-              <a:rPr lang="en-US" smtClean="0"/>
+              <a:rPr lang="en-US"/>
               <a:t>28-04-2025</a:t>
             </a:r>
             <a:endParaRPr/>
@@ -4326,7 +4319,7 @@
           </a:lstStyle>
           <a:p>
             <a:r>
-              <a:rPr lang="it-IT" smtClean="0"/>
+              <a:rPr lang="it-IT"/>
               <a:t>Dept. AD – Phase 2 VIVA VOCE</a:t>
             </a:r>
             <a:endParaRPr/>
@@ -5177,7 +5170,7 @@
           </a:lstStyle>
           <a:p>
             <a:r>
-              <a:rPr lang="en-US" smtClean="0"/>
+              <a:rPr lang="en-US"/>
               <a:t>28-04-2025</a:t>
             </a:r>
             <a:endParaRPr/>
@@ -5341,7 +5334,7 @@
           </a:lstStyle>
           <a:p>
             <a:r>
-              <a:rPr lang="it-IT" smtClean="0"/>
+              <a:rPr lang="it-IT"/>
               <a:t>Dept. AD – Phase 2 VIVA VOCE</a:t>
             </a:r>
             <a:endParaRPr/>
@@ -6224,7 +6217,7 @@
           </a:lstStyle>
           <a:p>
             <a:r>
-              <a:rPr lang="en-US" smtClean="0"/>
+              <a:rPr lang="en-US"/>
               <a:t>28-04-2025</a:t>
             </a:r>
             <a:endParaRPr/>
@@ -6396,7 +6389,7 @@
           </a:lstStyle>
           <a:p>
             <a:r>
-              <a:rPr lang="it-IT" smtClean="0"/>
+              <a:rPr lang="it-IT"/>
               <a:t>Dept. AD – Phase 2 VIVA VOCE</a:t>
             </a:r>
             <a:endParaRPr/>
@@ -7262,7 +7255,7 @@
           </a:lstStyle>
           <a:p>
             <a:r>
-              <a:rPr lang="en-US" smtClean="0"/>
+              <a:rPr lang="en-US"/>
               <a:t>28-04-2025</a:t>
             </a:r>
             <a:endParaRPr/>
@@ -7426,7 +7419,7 @@
           </a:lstStyle>
           <a:p>
             <a:r>
-              <a:rPr lang="it-IT" smtClean="0"/>
+              <a:rPr lang="it-IT"/>
               <a:t>Dept. AD – Phase 2 VIVA VOCE</a:t>
             </a:r>
             <a:endParaRPr/>
@@ -8489,7 +8482,7 @@
           </a:lstStyle>
           <a:p>
             <a:r>
-              <a:rPr lang="en-US" smtClean="0"/>
+              <a:rPr lang="en-US"/>
               <a:t>28-04-2025</a:t>
             </a:r>
             <a:endParaRPr/>
@@ -8653,7 +8646,7 @@
           </a:lstStyle>
           <a:p>
             <a:r>
-              <a:rPr lang="it-IT" smtClean="0"/>
+              <a:rPr lang="it-IT"/>
               <a:t>Dept. AD – Phase 2 VIVA VOCE</a:t>
             </a:r>
             <a:endParaRPr/>
@@ -10075,7 +10068,7 @@
           </a:lstStyle>
           <a:p>
             <a:r>
-              <a:rPr lang="en-US" smtClean="0"/>
+              <a:rPr lang="en-US"/>
               <a:t>28-04-2025</a:t>
             </a:r>
             <a:endParaRPr/>
@@ -10239,7 +10232,7 @@
           </a:lstStyle>
           <a:p>
             <a:r>
-              <a:rPr lang="it-IT" smtClean="0"/>
+              <a:rPr lang="it-IT"/>
               <a:t>Dept. AD – Phase 2 VIVA VOCE</a:t>
             </a:r>
             <a:endParaRPr/>
@@ -10878,7 +10871,7 @@
           </a:lstStyle>
           <a:p>
             <a:r>
-              <a:rPr lang="en-US" smtClean="0"/>
+              <a:rPr lang="en-US"/>
               <a:t>28-04-2025</a:t>
             </a:r>
             <a:endParaRPr/>
@@ -11042,7 +11035,7 @@
           </a:lstStyle>
           <a:p>
             <a:r>
-              <a:rPr lang="it-IT" smtClean="0"/>
+              <a:rPr lang="it-IT"/>
               <a:t>Dept. AD – Phase 2 VIVA VOCE</a:t>
             </a:r>
             <a:endParaRPr/>
@@ -11512,7 +11505,7 @@
           </a:lstStyle>
           <a:p>
             <a:r>
-              <a:rPr lang="en-US" smtClean="0"/>
+              <a:rPr lang="en-US"/>
               <a:t>28-04-2025</a:t>
             </a:r>
             <a:endParaRPr/>
@@ -11676,7 +11669,7 @@
           </a:lstStyle>
           <a:p>
             <a:r>
-              <a:rPr lang="it-IT" smtClean="0"/>
+              <a:rPr lang="it-IT"/>
               <a:t>Dept. AD – Phase 2 VIVA VOCE</a:t>
             </a:r>
             <a:endParaRPr/>
@@ -12714,7 +12707,7 @@
           </a:lstStyle>
           <a:p>
             <a:r>
-              <a:rPr lang="en-US" smtClean="0"/>
+              <a:rPr lang="en-US"/>
               <a:t>28-04-2025</a:t>
             </a:r>
             <a:endParaRPr/>
@@ -12878,7 +12871,7 @@
           </a:lstStyle>
           <a:p>
             <a:r>
-              <a:rPr lang="it-IT" smtClean="0"/>
+              <a:rPr lang="it-IT"/>
               <a:t>Dept. AD – Phase 2 VIVA VOCE</a:t>
             </a:r>
             <a:endParaRPr/>
@@ -13733,7 +13726,7 @@
           </a:lstStyle>
           <a:p>
             <a:r>
-              <a:rPr lang="en-US" smtClean="0"/>
+              <a:rPr lang="en-US"/>
               <a:t>28-04-2025</a:t>
             </a:r>
             <a:endParaRPr/>
@@ -13897,7 +13890,7 @@
           </a:lstStyle>
           <a:p>
             <a:r>
-              <a:rPr lang="it-IT" smtClean="0"/>
+              <a:rPr lang="it-IT"/>
               <a:t>Dept. AD – Phase 2 VIVA VOCE</a:t>
             </a:r>
             <a:endParaRPr/>
@@ -15024,7 +15017,7 @@
           </a:lstStyle>
           <a:p>
             <a:r>
-              <a:rPr lang="en-US" smtClean="0"/>
+              <a:rPr lang="en-US"/>
               <a:t>28-04-2025</a:t>
             </a:r>
             <a:endParaRPr/>
@@ -15296,7 +15289,7 @@
           </a:lstStyle>
           <a:p>
             <a:r>
-              <a:rPr lang="it-IT" smtClean="0"/>
+              <a:rPr lang="it-IT"/>
               <a:t>Dept. AD – Phase 2 VIVA VOCE</a:t>
             </a:r>
             <a:endParaRPr/>
@@ -16585,18 +16578,6 @@
               <a:buNone/>
             </a:pPr>
             <a:r>
-              <a:rPr lang="en" sz="1500" b="1" i="0" u="none" strike="noStrike" cap="none" dirty="0" smtClean="0">
-                <a:solidFill>
-                  <a:schemeClr val="dk1"/>
-                </a:solidFill>
-                <a:latin typeface="Century Gothic"/>
-                <a:ea typeface="Century Gothic"/>
-                <a:cs typeface="Century Gothic"/>
-                <a:sym typeface="Century Gothic"/>
-              </a:rPr>
-              <a:t>Mr</a:t>
-            </a:r>
-            <a:r>
               <a:rPr lang="en" sz="1500" b="1" i="0" u="none" strike="noStrike" cap="none" dirty="0">
                 <a:solidFill>
                   <a:schemeClr val="dk1"/>
@@ -16606,19 +16587,7 @@
                 <a:cs typeface="Century Gothic"/>
                 <a:sym typeface="Century Gothic"/>
               </a:rPr>
-              <a:t>. </a:t>
-            </a:r>
-            <a:r>
-              <a:rPr lang="en" sz="1500" b="1" i="0" u="none" strike="noStrike" cap="none" dirty="0" smtClean="0">
-                <a:solidFill>
-                  <a:schemeClr val="dk1"/>
-                </a:solidFill>
-                <a:latin typeface="Century Gothic"/>
-                <a:ea typeface="Century Gothic"/>
-                <a:cs typeface="Century Gothic"/>
-                <a:sym typeface="Century Gothic"/>
-              </a:rPr>
-              <a:t>xyz, 717821I...</a:t>
+              <a:t>Mr. xyz, 717821I...</a:t>
             </a:r>
             <a:endParaRPr sz="1500" b="1" i="0" u="none" strike="noStrike" cap="none" dirty="0">
               <a:solidFill>
@@ -16770,10 +16739,9 @@
           <a:lstStyle/>
           <a:p>
             <a:r>
-              <a:rPr lang="en-US" smtClean="0"/>
+              <a:rPr lang="en-US"/>
               <a:t>28-04-2025</a:t>
             </a:r>
-            <a:endParaRPr lang="en-US"/>
           </a:p>
         </p:txBody>
       </p:sp>
@@ -16793,10 +16761,9 @@
           <a:lstStyle/>
           <a:p>
             <a:r>
-              <a:rPr lang="it-IT" smtClean="0"/>
+              <a:rPr lang="it-IT"/>
               <a:t>Dept. AD – Phase 2 VIVA VOCE</a:t>
             </a:r>
-            <a:endParaRPr lang="it-IT"/>
           </a:p>
         </p:txBody>
       </p:sp>
@@ -16959,7 +16926,7 @@
               <a:buNone/>
             </a:pPr>
             <a:r>
-              <a:rPr lang="it-IT" smtClean="0"/>
+              <a:rPr lang="it-IT"/>
               <a:t>Dept. AD – Phase 2 VIVA VOCE</a:t>
             </a:r>
             <a:endParaRPr/>
@@ -17006,7 +16973,7 @@
               <a:buNone/>
             </a:pPr>
             <a:r>
-              <a:rPr lang="en-US" smtClean="0"/>
+              <a:rPr lang="en-US"/>
               <a:t>28-04-2025</a:t>
             </a:r>
             <a:endParaRPr/>
@@ -17246,7 +17213,7 @@
               <a:buNone/>
             </a:pPr>
             <a:r>
-              <a:rPr lang="en" sz="1700" b="1" dirty="0" smtClean="0">
+              <a:rPr lang="en" sz="1700" b="1" dirty="0">
                 <a:solidFill>
                   <a:srgbClr val="000000"/>
                 </a:solidFill>
@@ -17335,10 +17302,9 @@
           <a:lstStyle/>
           <a:p>
             <a:r>
-              <a:rPr lang="en-US" smtClean="0"/>
+              <a:rPr lang="en-US"/>
               <a:t>28-04-2025</a:t>
             </a:r>
-            <a:endParaRPr lang="en-US"/>
           </a:p>
         </p:txBody>
       </p:sp>
@@ -17363,10 +17329,9 @@
           <a:lstStyle/>
           <a:p>
             <a:r>
-              <a:rPr lang="it-IT" dirty="0" smtClean="0"/>
+              <a:rPr lang="it-IT" dirty="0"/>
               <a:t>Dept. AD – Phase 2 VIVA VOCE</a:t>
             </a:r>
-            <a:endParaRPr lang="it-IT" dirty="0"/>
           </a:p>
         </p:txBody>
       </p:sp>
@@ -17460,22 +17425,13 @@
               <a:buSzPts val="1800"/>
             </a:pPr>
             <a:r>
-              <a:rPr lang="en-IN" sz="3000" dirty="0" smtClean="0">
-                <a:latin typeface="Century Gothic"/>
-                <a:ea typeface="Century Gothic"/>
-                <a:cs typeface="Century Gothic"/>
-                <a:sym typeface="Century Gothic"/>
-              </a:rPr>
-              <a:t>Publication </a:t>
-            </a:r>
-            <a:r>
               <a:rPr lang="en-IN" sz="3000" dirty="0">
                 <a:latin typeface="Century Gothic"/>
                 <a:ea typeface="Century Gothic"/>
                 <a:cs typeface="Century Gothic"/>
                 <a:sym typeface="Century Gothic"/>
               </a:rPr>
-              <a:t>details</a:t>
+              <a:t>Publication details</a:t>
             </a:r>
             <a:endParaRPr sz="3000" dirty="0"/>
           </a:p>
@@ -17578,7 +17534,7 @@
               <a:buChar char="●"/>
             </a:pPr>
             <a:r>
-              <a:rPr lang="en" sz="1700" b="0" i="0" u="none" strike="noStrike" cap="none" dirty="0" smtClean="0">
+              <a:rPr lang="en" sz="1700" b="0" i="0" u="none" strike="noStrike" cap="none" dirty="0">
                 <a:solidFill>
                   <a:schemeClr val="dk1"/>
                 </a:solidFill>
@@ -17644,7 +17600,7 @@
               <a:buNone/>
             </a:pPr>
             <a:r>
-              <a:rPr lang="it-IT" smtClean="0"/>
+              <a:rPr lang="it-IT"/>
               <a:t>Dept. AD – Phase 2 VIVA VOCE</a:t>
             </a:r>
             <a:endParaRPr/>
@@ -17691,7 +17647,7 @@
               <a:buNone/>
             </a:pPr>
             <a:r>
-              <a:rPr lang="en-US" smtClean="0"/>
+              <a:rPr lang="en-US"/>
               <a:t>28-04-2025</a:t>
             </a:r>
             <a:endParaRPr/>
@@ -18197,7 +18153,7 @@
               <a:buNone/>
             </a:pPr>
             <a:r>
-              <a:rPr lang="it-IT" smtClean="0"/>
+              <a:rPr lang="it-IT"/>
               <a:t>Dept. AD – Phase 2 VIVA VOCE</a:t>
             </a:r>
             <a:endParaRPr/>
@@ -18244,7 +18200,7 @@
               <a:buNone/>
             </a:pPr>
             <a:r>
-              <a:rPr lang="en-US" smtClean="0"/>
+              <a:rPr lang="en-US"/>
               <a:t>28-04-2025</a:t>
             </a:r>
             <a:endParaRPr/>
@@ -18442,7 +18398,7 @@
               <a:buNone/>
             </a:pPr>
             <a:r>
-              <a:rPr lang="it-IT" smtClean="0"/>
+              <a:rPr lang="it-IT"/>
               <a:t>Dept. AD – Phase 2 VIVA VOCE</a:t>
             </a:r>
             <a:endParaRPr/>
@@ -18489,7 +18445,7 @@
               <a:buNone/>
             </a:pPr>
             <a:r>
-              <a:rPr lang="en-US" smtClean="0"/>
+              <a:rPr lang="en-US"/>
               <a:t>28-04-2025</a:t>
             </a:r>
             <a:endParaRPr/>
@@ -18660,7 +18616,7 @@
               <a:buChar char="•"/>
             </a:pPr>
             <a:r>
-              <a:rPr lang="en-US" sz="2000" dirty="0" smtClean="0">
+              <a:rPr lang="en-US" sz="2000" dirty="0">
                 <a:latin typeface="Century Gothic"/>
                 <a:ea typeface="Century Gothic"/>
                 <a:cs typeface="Century Gothic"/>
@@ -18741,7 +18697,7 @@
               <a:buNone/>
             </a:pPr>
             <a:r>
-              <a:rPr lang="en-US" dirty="0" smtClean="0"/>
+              <a:rPr lang="en-US" dirty="0"/>
               <a:t>28-04-2025</a:t>
             </a:r>
             <a:endParaRPr dirty="0"/>
@@ -18791,7 +18747,7 @@
               <a:buNone/>
             </a:pPr>
             <a:r>
-              <a:rPr lang="it-IT" smtClean="0"/>
+              <a:rPr lang="it-IT"/>
               <a:t>Dept. AD – Phase 2 VIVA VOCE</a:t>
             </a:r>
             <a:endParaRPr dirty="0"/>
@@ -18990,16 +18946,7 @@
                 <a:cs typeface="Century Gothic"/>
                 <a:sym typeface="Century Gothic"/>
               </a:rPr>
-              <a:t> </a:t>
-            </a:r>
-            <a:r>
-              <a:rPr lang="en" sz="2000" dirty="0" smtClean="0">
-                <a:latin typeface="Century Gothic"/>
-                <a:ea typeface="Century Gothic"/>
-                <a:cs typeface="Century Gothic"/>
-                <a:sym typeface="Century Gothic"/>
-              </a:rPr>
-              <a:t>To…..</a:t>
+              <a:t> To…..</a:t>
             </a:r>
           </a:p>
           <a:p>
@@ -19024,16 +18971,7 @@
                 <a:cs typeface="Century Gothic"/>
                 <a:sym typeface="Century Gothic"/>
               </a:rPr>
-              <a:t> </a:t>
-            </a:r>
-            <a:r>
-              <a:rPr lang="en" sz="2000" dirty="0" smtClean="0">
-                <a:latin typeface="Century Gothic"/>
-                <a:ea typeface="Century Gothic"/>
-                <a:cs typeface="Century Gothic"/>
-                <a:sym typeface="Century Gothic"/>
-              </a:rPr>
-              <a:t>main three objectives </a:t>
+              <a:t> main three objectives </a:t>
             </a:r>
             <a:endParaRPr sz="2000" dirty="0">
               <a:latin typeface="Century Gothic"/>
@@ -19087,7 +19025,7 @@
               <a:buNone/>
             </a:pPr>
             <a:r>
-              <a:rPr lang="it-IT" smtClean="0"/>
+              <a:rPr lang="it-IT"/>
               <a:t>Dept. AD – Phase 2 VIVA VOCE</a:t>
             </a:r>
             <a:endParaRPr/>
@@ -19134,7 +19072,7 @@
               <a:buNone/>
             </a:pPr>
             <a:r>
-              <a:rPr lang="en-US" smtClean="0"/>
+              <a:rPr lang="en-US"/>
               <a:t>28-04-2025</a:t>
             </a:r>
             <a:endParaRPr/>
@@ -19251,16 +19189,7 @@
                 <a:cs typeface="Century Gothic"/>
                 <a:sym typeface="Century Gothic"/>
               </a:rPr>
-              <a:t>Literature </a:t>
-            </a:r>
-            <a:r>
-              <a:rPr lang="en" sz="3000" dirty="0" smtClean="0">
-                <a:latin typeface="Century Gothic"/>
-                <a:ea typeface="Century Gothic"/>
-                <a:cs typeface="Century Gothic"/>
-                <a:sym typeface="Century Gothic"/>
-              </a:rPr>
-              <a:t>Review</a:t>
+              <a:t>Literature Review</a:t>
             </a:r>
             <a:endParaRPr sz="3000" dirty="0">
               <a:latin typeface="Century Gothic"/>
@@ -19676,7 +19605,7 @@
                         <a:buNone/>
                       </a:pPr>
                       <a:r>
-                        <a:rPr lang="en-US" sz="1000" u="none" strike="noStrike" cap="none" dirty="0" smtClean="0">
+                        <a:rPr lang="en-US" sz="1000" u="none" strike="noStrike" cap="none" dirty="0">
                           <a:latin typeface="Century Gothic"/>
                           <a:ea typeface="Century Gothic"/>
                           <a:cs typeface="Century Gothic"/>
@@ -19685,7 +19614,7 @@
                         <a:t>5 – </a:t>
                       </a:r>
                       <a:r>
-                        <a:rPr lang="en" sz="1000" dirty="0" smtClean="0">
+                        <a:rPr lang="en" sz="1000" dirty="0">
                           <a:latin typeface="Century Gothic"/>
                           <a:ea typeface="Century Gothic"/>
                           <a:cs typeface="Century Gothic"/>
@@ -20192,7 +20121,7 @@
               <a:buNone/>
             </a:pPr>
             <a:r>
-              <a:rPr lang="it-IT" smtClean="0"/>
+              <a:rPr lang="it-IT"/>
               <a:t>Dept. AD – Phase 2 VIVA VOCE</a:t>
             </a:r>
             <a:endParaRPr/>
@@ -20239,7 +20168,7 @@
               <a:buNone/>
             </a:pPr>
             <a:r>
-              <a:rPr lang="en-US" smtClean="0"/>
+              <a:rPr lang="en-US"/>
               <a:t>28-04-2025</a:t>
             </a:r>
             <a:endParaRPr/>
@@ -20345,22 +20274,13 @@
               <a:t> </a:t>
             </a:r>
             <a:r>
-              <a:rPr lang="en-IN" sz="3000" dirty="0" smtClean="0">
-                <a:latin typeface="Century Gothic"/>
-                <a:ea typeface="Century Gothic"/>
-                <a:cs typeface="Century Gothic"/>
-                <a:sym typeface="Century Gothic"/>
-              </a:rPr>
-              <a:t>Architecture </a:t>
-            </a:r>
-            <a:r>
               <a:rPr lang="en-IN" sz="3000" dirty="0">
                 <a:latin typeface="Century Gothic"/>
                 <a:ea typeface="Century Gothic"/>
                 <a:cs typeface="Century Gothic"/>
                 <a:sym typeface="Century Gothic"/>
               </a:rPr>
-              <a:t>diagram</a:t>
+              <a:t>one piece diagram</a:t>
             </a:r>
             <a:endParaRPr sz="3000" dirty="0">
               <a:latin typeface="Century Gothic"/>
@@ -20468,7 +20388,7 @@
               <a:buNone/>
             </a:pPr>
             <a:r>
-              <a:rPr lang="it-IT" smtClean="0"/>
+              <a:rPr lang="it-IT"/>
               <a:t>Dept. AD – Phase 2 VIVA VOCE</a:t>
             </a:r>
             <a:endParaRPr dirty="0"/>
@@ -20515,7 +20435,7 @@
               <a:buNone/>
             </a:pPr>
             <a:r>
-              <a:rPr lang="en-US" smtClean="0"/>
+              <a:rPr lang="en-US"/>
               <a:t>28-04-2025</a:t>
             </a:r>
             <a:endParaRPr/>
@@ -20740,7 +20660,7 @@
               <a:buChar char="•"/>
             </a:pPr>
             <a:r>
-              <a:rPr lang="en-US" sz="1700" b="0" i="0" u="none" strike="noStrike" cap="none" dirty="0" smtClean="0">
+              <a:rPr lang="en-US" sz="1700" b="0" i="0" u="none" strike="noStrike" cap="none" dirty="0">
                 <a:solidFill>
                   <a:schemeClr val="dk1"/>
                 </a:solidFill>
@@ -20834,7 +20754,7 @@
               <a:buNone/>
             </a:pPr>
             <a:r>
-              <a:rPr lang="it-IT" smtClean="0"/>
+              <a:rPr lang="it-IT"/>
               <a:t>Dept. AD – Phase 2 VIVA VOCE</a:t>
             </a:r>
             <a:endParaRPr/>
@@ -20881,7 +20801,7 @@
               <a:buNone/>
             </a:pPr>
             <a:r>
-              <a:rPr lang="en-US" smtClean="0"/>
+              <a:rPr lang="en-US"/>
               <a:t>28-04-2025</a:t>
             </a:r>
             <a:endParaRPr/>
@@ -21052,7 +20972,7 @@
               <a:buChar char="●"/>
             </a:pPr>
             <a:r>
-              <a:rPr lang="en-US" sz="1700" b="0" i="0" u="none" strike="noStrike" cap="none" dirty="0" smtClean="0">
+              <a:rPr lang="en-US" sz="1700" b="0" i="0" u="none" strike="noStrike" cap="none" dirty="0">
                 <a:solidFill>
                   <a:srgbClr val="000000"/>
                 </a:solidFill>
@@ -21083,7 +21003,7 @@
               <a:buChar char="●"/>
             </a:pPr>
             <a:r>
-              <a:rPr lang="en-US" sz="1700" dirty="0" smtClean="0">
+              <a:rPr lang="en-US" sz="1700" dirty="0">
                 <a:latin typeface="Century Gothic"/>
                 <a:ea typeface="Century Gothic"/>
                 <a:cs typeface="Century Gothic"/>
@@ -21239,7 +21159,7 @@
               <a:buNone/>
             </a:pPr>
             <a:r>
-              <a:rPr lang="it-IT" smtClean="0"/>
+              <a:rPr lang="it-IT"/>
               <a:t>Dept. AD – Phase 2 VIVA VOCE</a:t>
             </a:r>
             <a:endParaRPr/>
@@ -21286,7 +21206,7 @@
               <a:buNone/>
             </a:pPr>
             <a:r>
-              <a:rPr lang="en-US" smtClean="0"/>
+              <a:rPr lang="en-US"/>
               <a:t>28-04-2025</a:t>
             </a:r>
             <a:endParaRPr/>
@@ -21511,7 +21431,7 @@
               <a:buChar char="•"/>
             </a:pPr>
             <a:r>
-              <a:rPr lang="en-US" sz="1700" b="0" i="0" u="none" strike="noStrike" cap="none" dirty="0" smtClean="0">
+              <a:rPr lang="en-US" sz="1700" b="0" i="0" u="none" strike="noStrike" cap="none" dirty="0">
                 <a:solidFill>
                   <a:schemeClr val="dk1"/>
                 </a:solidFill>
@@ -21605,7 +21525,7 @@
               <a:buNone/>
             </a:pPr>
             <a:r>
-              <a:rPr lang="it-IT" smtClean="0"/>
+              <a:rPr lang="it-IT"/>
               <a:t>Dept. AD – Phase 2 VIVA VOCE</a:t>
             </a:r>
             <a:endParaRPr/>
@@ -21652,7 +21572,7 @@
               <a:buNone/>
             </a:pPr>
             <a:r>
-              <a:rPr lang="en-US" smtClean="0"/>
+              <a:rPr lang="en-US"/>
               <a:t>28-04-2025</a:t>
             </a:r>
             <a:endParaRPr/>
@@ -21823,7 +21743,7 @@
               <a:buChar char="●"/>
             </a:pPr>
             <a:r>
-              <a:rPr lang="en-US" sz="1700" b="0" i="0" u="none" strike="noStrike" cap="none" dirty="0" smtClean="0">
+              <a:rPr lang="en-US" sz="1700" b="0" i="0" u="none" strike="noStrike" cap="none" dirty="0">
                 <a:solidFill>
                   <a:srgbClr val="000000"/>
                 </a:solidFill>
@@ -21854,7 +21774,7 @@
               <a:buChar char="●"/>
             </a:pPr>
             <a:r>
-              <a:rPr lang="en-US" sz="1700" dirty="0" smtClean="0">
+              <a:rPr lang="en-US" sz="1700" dirty="0">
                 <a:latin typeface="Century Gothic"/>
                 <a:ea typeface="Century Gothic"/>
                 <a:cs typeface="Century Gothic"/>
@@ -21983,7 +21903,7 @@
               <a:buNone/>
             </a:pPr>
             <a:r>
-              <a:rPr lang="it-IT" smtClean="0"/>
+              <a:rPr lang="it-IT"/>
               <a:t>Dept. AD – Phase 2 VIVA VOCE</a:t>
             </a:r>
             <a:endParaRPr/>
@@ -22030,7 +21950,7 @@
               <a:buNone/>
             </a:pPr>
             <a:r>
-              <a:rPr lang="en-US" smtClean="0"/>
+              <a:rPr lang="en-US"/>
               <a:t>28-04-2025</a:t>
             </a:r>
             <a:endParaRPr/>

--- a/2nd Phase Review Presentation.pptx
+++ b/2nd Phase Review Presentation.pptx
@@ -279,7 +279,7 @@
       </p15:sldGuideLst>
     </p:ext>
     <p:ext uri="GoogleSlidesCustomDataVersion2">
-      <go:slidesCustomData xmlns:go="http://customooxmlschemas.google.com/" xmlns:ahyp="http://schemas.microsoft.com/office/drawing/2018/hyperlinkcolor" xmlns:p15="http://schemas.microsoft.com/office/powerpoint/2012/main" xmlns:p14="http://schemas.microsoft.com/office/powerpoint/2010/main" xmlns:com="http://schemas.openxmlformats.org/drawingml/2006/compatibility" xmlns:pvml="urn:schemas-microsoft-com:office:powerpoint" xmlns:v="urn:schemas-microsoft-com:vml" xmlns:o="urn:schemas-microsoft-com:office:office" xmlns:dgm="http://schemas.openxmlformats.org/drawingml/2006/diagram" xmlns:c="http://schemas.openxmlformats.org/drawingml/2006/chart" xmlns:mv="urn:schemas-microsoft-com:mac:vml" xmlns:mc="http://schemas.openxmlformats.org/markup-compatibility/2006" xmlns="" r:id="rId32" roundtripDataSignature="AMtx7mgZZABVuYV0kWWDJ77bXyEyKU5AvA=="/>
+      <go:slidesCustomData xmlns="" xmlns:mc="http://schemas.openxmlformats.org/markup-compatibility/2006" xmlns:mv="urn:schemas-microsoft-com:mac:vml" xmlns:c="http://schemas.openxmlformats.org/drawingml/2006/chart" xmlns:dgm="http://schemas.openxmlformats.org/drawingml/2006/diagram" xmlns:o="urn:schemas-microsoft-com:office:office" xmlns:v="urn:schemas-microsoft-com:vml" xmlns:pvml="urn:schemas-microsoft-com:office:powerpoint" xmlns:com="http://schemas.openxmlformats.org/drawingml/2006/compatibility" xmlns:p14="http://schemas.microsoft.com/office/powerpoint/2010/main" xmlns:p15="http://schemas.microsoft.com/office/powerpoint/2012/main" xmlns:ahyp="http://schemas.microsoft.com/office/drawing/2018/hyperlinkcolor" xmlns:go="http://customooxmlschemas.google.com/" r:id="rId32" roundtripDataSignature="AMtx7mgZZABVuYV0kWWDJ77bXyEyKU5AvA=="/>
     </p:ext>
   </p:extLst>
 </p:presentation>
@@ -18098,20 +18098,16 @@
                 <a:cs typeface="Century Gothic"/>
                 <a:sym typeface="Century Gothic"/>
               </a:rPr>
-              <a:t>Jiuxiang Gu, Jianfei Cai, Gang Wang and Tsuhan Chen [2018]. Stack-Captioning: Coarse-to-Fine Learning for Image Captioning </a:t>
+              <a:t>Jiuxiang Gu, Jianfei Cai, Gang Wang and Tsuhan Chen [2018]. Stack-Captioning: Coarse-to-Fine Learning for </a:t>
             </a:r>
             <a:r>
-              <a:rPr lang="en" sz="1400" u="sng" dirty="0">
-                <a:solidFill>
-                  <a:schemeClr val="hlink"/>
-                </a:solidFill>
+              <a:rPr lang="en" sz="1400">
                 <a:latin typeface="Century Gothic"/>
                 <a:ea typeface="Century Gothic"/>
                 <a:cs typeface="Century Gothic"/>
                 <a:sym typeface="Century Gothic"/>
-                <a:hlinkClick r:id="rId7"/>
               </a:rPr>
-              <a:t>https://ojs.aaai.org/index.php/AAAI/article/view/12266</a:t>
+              <a:t>Image Captioning</a:t>
             </a:r>
             <a:endParaRPr sz="1400" dirty="0">
               <a:latin typeface="Century Gothic"/>
